--- a/decks/1 - Keynote.pptx
+++ b/decks/1 - Keynote.pptx
@@ -363,7 +363,7 @@
           <a:p>
             <a:fld id="{D7912463-2EB7-42C0-8AD4-F0A02C6EC2BF}" type="datetimeFigureOut">
               <a:rPr lang="en-US" smtClean="0"/>
-              <a:t>4/23/2015</a:t>
+              <a:t>4/25/2015</a:t>
             </a:fld>
             <a:endParaRPr lang="en-US"/>
           </a:p>
@@ -759,7 +759,7 @@
           <a:bodyPr/>
           <a:lstStyle/>
           <a:p>
-            <a:endParaRPr lang="en-US" dirty="0"/>
+            <a:endParaRPr lang="en-US"/>
           </a:p>
         </p:txBody>
       </p:sp>
@@ -780,7 +780,7 @@
           <a:p>
             <a:fld id="{1A1CB3E1-70E1-4960-BDBB-5CE579A48DE2}" type="slidenum">
               <a:rPr lang="en-US" smtClean="0"/>
-              <a:t>3</a:t>
+              <a:t>2</a:t>
             </a:fld>
             <a:endParaRPr lang="en-US"/>
           </a:p>
@@ -789,7 +789,7 @@
     </p:spTree>
     <p:extLst>
       <p:ext uri="{BB962C8B-B14F-4D97-AF65-F5344CB8AC3E}">
-        <p14:creationId xmlns:p14="http://schemas.microsoft.com/office/powerpoint/2010/main" val="3903205890"/>
+        <p14:creationId xmlns:p14="http://schemas.microsoft.com/office/powerpoint/2010/main" val="4164442835"/>
       </p:ext>
     </p:extLst>
   </p:cSld>
@@ -843,19 +843,7 @@
           <a:bodyPr/>
           <a:lstStyle/>
           <a:p>
-            <a:r>
-              <a:rPr lang="en-US" dirty="0" err="1" smtClean="0"/>
-              <a:t>EcmaScript</a:t>
-            </a:r>
-            <a:r>
-              <a:rPr lang="en-US" dirty="0" smtClean="0"/>
-              <a:t> 6</a:t>
-            </a:r>
-            <a:r>
-              <a:rPr lang="en-US" baseline="0" dirty="0" smtClean="0"/>
-              <a:t> is the Future of JavaScript.</a:t>
-            </a:r>
-            <a:endParaRPr lang="en-US" dirty="0" smtClean="0"/>
+            <a:endParaRPr lang="en-US" dirty="0"/>
           </a:p>
         </p:txBody>
       </p:sp>
@@ -876,7 +864,7 @@
           <a:p>
             <a:fld id="{1A1CB3E1-70E1-4960-BDBB-5CE579A48DE2}" type="slidenum">
               <a:rPr lang="en-US" smtClean="0"/>
-              <a:t>4</a:t>
+              <a:t>3</a:t>
             </a:fld>
             <a:endParaRPr lang="en-US"/>
           </a:p>
@@ -885,7 +873,7 @@
     </p:spTree>
     <p:extLst>
       <p:ext uri="{BB962C8B-B14F-4D97-AF65-F5344CB8AC3E}">
-        <p14:creationId xmlns:p14="http://schemas.microsoft.com/office/powerpoint/2010/main" val="277327306"/>
+        <p14:creationId xmlns:p14="http://schemas.microsoft.com/office/powerpoint/2010/main" val="3903205890"/>
       </p:ext>
     </p:extLst>
   </p:cSld>
@@ -941,13 +929,17 @@
           <a:p>
             <a:r>
               <a:rPr lang="en-US" dirty="0" err="1" smtClean="0"/>
-              <a:t>typeof</a:t>
+              <a:t>EcmaScript</a:t>
+            </a:r>
+            <a:r>
+              <a:rPr lang="en-US" dirty="0" smtClean="0"/>
+              <a:t> 6</a:t>
             </a:r>
             <a:r>
               <a:rPr lang="en-US" baseline="0" dirty="0" smtClean="0"/>
-              <a:t> was dropped from the standard</a:t>
-            </a:r>
-            <a:endParaRPr lang="en-US" dirty="0"/>
+              <a:t> is the Future of JavaScript.</a:t>
+            </a:r>
+            <a:endParaRPr lang="en-US" dirty="0" smtClean="0"/>
           </a:p>
         </p:txBody>
       </p:sp>
@@ -968,7 +960,7 @@
           <a:p>
             <a:fld id="{1A1CB3E1-70E1-4960-BDBB-5CE579A48DE2}" type="slidenum">
               <a:rPr lang="en-US" smtClean="0"/>
-              <a:t>10</a:t>
+              <a:t>4</a:t>
             </a:fld>
             <a:endParaRPr lang="en-US"/>
           </a:p>
@@ -977,7 +969,7 @@
     </p:spTree>
     <p:extLst>
       <p:ext uri="{BB962C8B-B14F-4D97-AF65-F5344CB8AC3E}">
-        <p14:creationId xmlns:p14="http://schemas.microsoft.com/office/powerpoint/2010/main" val="190681952"/>
+        <p14:creationId xmlns:p14="http://schemas.microsoft.com/office/powerpoint/2010/main" val="277327306"/>
       </p:ext>
     </p:extLst>
   </p:cSld>
@@ -1031,6 +1023,14 @@
           <a:bodyPr/>
           <a:lstStyle/>
           <a:p>
+            <a:r>
+              <a:rPr lang="en-US" dirty="0" err="1" smtClean="0"/>
+              <a:t>typeof</a:t>
+            </a:r>
+            <a:r>
+              <a:rPr lang="en-US" baseline="0" dirty="0" smtClean="0"/>
+              <a:t> was dropped from the standard</a:t>
+            </a:r>
             <a:endParaRPr lang="en-US" dirty="0"/>
           </a:p>
         </p:txBody>
@@ -1052,7 +1052,7 @@
           <a:p>
             <a:fld id="{1A1CB3E1-70E1-4960-BDBB-5CE579A48DE2}" type="slidenum">
               <a:rPr lang="en-US" smtClean="0"/>
-              <a:t>19</a:t>
+              <a:t>10</a:t>
             </a:fld>
             <a:endParaRPr lang="en-US"/>
           </a:p>
@@ -1061,7 +1061,7 @@
     </p:spTree>
     <p:extLst>
       <p:ext uri="{BB962C8B-B14F-4D97-AF65-F5344CB8AC3E}">
-        <p14:creationId xmlns:p14="http://schemas.microsoft.com/office/powerpoint/2010/main" val="326631580"/>
+        <p14:creationId xmlns:p14="http://schemas.microsoft.com/office/powerpoint/2010/main" val="190681952"/>
       </p:ext>
     </p:extLst>
   </p:cSld>
@@ -1136,7 +1136,7 @@
           <a:p>
             <a:fld id="{1A1CB3E1-70E1-4960-BDBB-5CE579A48DE2}" type="slidenum">
               <a:rPr lang="en-US" smtClean="0"/>
-              <a:t>20</a:t>
+              <a:t>19</a:t>
             </a:fld>
             <a:endParaRPr lang="en-US"/>
           </a:p>
@@ -1145,7 +1145,7 @@
     </p:spTree>
     <p:extLst>
       <p:ext uri="{BB962C8B-B14F-4D97-AF65-F5344CB8AC3E}">
-        <p14:creationId xmlns:p14="http://schemas.microsoft.com/office/powerpoint/2010/main" val="3582961576"/>
+        <p14:creationId xmlns:p14="http://schemas.microsoft.com/office/powerpoint/2010/main" val="326631580"/>
       </p:ext>
     </p:extLst>
   </p:cSld>
@@ -1199,42 +1199,7 @@
           <a:bodyPr/>
           <a:lstStyle/>
           <a:p>
-            <a:r>
-              <a:rPr lang="en-US" dirty="0" smtClean="0"/>
-              <a:t>Everyone has been trying to add object-oriented features to JavaScript since the dawn of time… because from some reason prototypes didn’t seem to work for most people due to a dissimilarity with C++/Java/C#.</a:t>
-            </a:r>
-          </a:p>
-          <a:p>
-            <a:endParaRPr lang="en-US" dirty="0" smtClean="0"/>
-          </a:p>
-          <a:p>
-            <a:r>
-              <a:rPr lang="en-US" dirty="0" err="1" smtClean="0"/>
-              <a:t>MooTools</a:t>
-            </a:r>
-            <a:r>
-              <a:rPr lang="en-US" dirty="0" smtClean="0"/>
-              <a:t>, YUI, Prototype, dojo, </a:t>
-            </a:r>
-            <a:r>
-              <a:rPr lang="en-US" dirty="0" err="1" smtClean="0"/>
-              <a:t>CoffeeScript</a:t>
-            </a:r>
-            <a:r>
-              <a:rPr lang="en-US" dirty="0" smtClean="0"/>
-              <a:t>, </a:t>
-            </a:r>
-            <a:r>
-              <a:rPr lang="en-US" dirty="0" err="1" smtClean="0"/>
-              <a:t>TypeScript</a:t>
-            </a:r>
-            <a:r>
-              <a:rPr lang="en-US" smtClean="0"/>
-              <a:t>, etc… </a:t>
-            </a:r>
-          </a:p>
-          <a:p>
-            <a:endParaRPr lang="en-US"/>
+            <a:endParaRPr lang="en-US" dirty="0"/>
           </a:p>
         </p:txBody>
       </p:sp>
@@ -1255,6 +1220,125 @@
           <a:p>
             <a:fld id="{1A1CB3E1-70E1-4960-BDBB-5CE579A48DE2}" type="slidenum">
               <a:rPr lang="en-US" smtClean="0"/>
+              <a:t>20</a:t>
+            </a:fld>
+            <a:endParaRPr lang="en-US"/>
+          </a:p>
+        </p:txBody>
+      </p:sp>
+    </p:spTree>
+    <p:extLst>
+      <p:ext uri="{BB962C8B-B14F-4D97-AF65-F5344CB8AC3E}">
+        <p14:creationId xmlns:p14="http://schemas.microsoft.com/office/powerpoint/2010/main" val="3582961576"/>
+      </p:ext>
+    </p:extLst>
+  </p:cSld>
+  <p:clrMapOvr>
+    <a:masterClrMapping/>
+  </p:clrMapOvr>
+</p:notes>
+</file>
+
+<file path=ppt/notesSlides/notesSlide8.xml><?xml version="1.0" encoding="utf-8"?>
+<p:notes xmlns:a="http://schemas.openxmlformats.org/drawingml/2006/main" xmlns:r="http://schemas.openxmlformats.org/officeDocument/2006/relationships" xmlns:p="http://schemas.openxmlformats.org/presentationml/2006/main">
+  <p:cSld>
+    <p:spTree>
+      <p:nvGrpSpPr>
+        <p:cNvPr id="1" name=""/>
+        <p:cNvGrpSpPr/>
+        <p:nvPr/>
+      </p:nvGrpSpPr>
+      <p:grpSpPr>
+        <a:xfrm>
+          <a:off x="0" y="0"/>
+          <a:ext cx="0" cy="0"/>
+          <a:chOff x="0" y="0"/>
+          <a:chExt cx="0" cy="0"/>
+        </a:xfrm>
+      </p:grpSpPr>
+      <p:sp>
+        <p:nvSpPr>
+          <p:cNvPr id="2" name="Slide Image Placeholder 1"/>
+          <p:cNvSpPr>
+            <a:spLocks noGrp="1" noRot="1" noChangeAspect="1"/>
+          </p:cNvSpPr>
+          <p:nvPr>
+            <p:ph type="sldImg"/>
+          </p:nvPr>
+        </p:nvSpPr>
+        <p:spPr/>
+      </p:sp>
+      <p:sp>
+        <p:nvSpPr>
+          <p:cNvPr id="3" name="Notes Placeholder 2"/>
+          <p:cNvSpPr>
+            <a:spLocks noGrp="1"/>
+          </p:cNvSpPr>
+          <p:nvPr>
+            <p:ph type="body" idx="1"/>
+          </p:nvPr>
+        </p:nvSpPr>
+        <p:spPr/>
+        <p:txBody>
+          <a:bodyPr/>
+          <a:lstStyle/>
+          <a:p>
+            <a:r>
+              <a:rPr lang="en-US" dirty="0" smtClean="0"/>
+              <a:t>Everyone has been trying to add object-oriented features to JavaScript since the dawn of time… because from some reason prototypes didn’t seem to work for most people due to a dissimilarity with C++/Java/C#.</a:t>
+            </a:r>
+          </a:p>
+          <a:p>
+            <a:endParaRPr lang="en-US" dirty="0" smtClean="0"/>
+          </a:p>
+          <a:p>
+            <a:r>
+              <a:rPr lang="en-US" dirty="0" err="1" smtClean="0"/>
+              <a:t>MooTools</a:t>
+            </a:r>
+            <a:r>
+              <a:rPr lang="en-US" dirty="0" smtClean="0"/>
+              <a:t>, YUI, Prototype, dojo, </a:t>
+            </a:r>
+            <a:r>
+              <a:rPr lang="en-US" dirty="0" err="1" smtClean="0"/>
+              <a:t>CoffeeScript</a:t>
+            </a:r>
+            <a:r>
+              <a:rPr lang="en-US" dirty="0" smtClean="0"/>
+              <a:t>, </a:t>
+            </a:r>
+            <a:r>
+              <a:rPr lang="en-US" dirty="0" err="1" smtClean="0"/>
+              <a:t>TypeScript</a:t>
+            </a:r>
+            <a:r>
+              <a:rPr lang="en-US" smtClean="0"/>
+              <a:t>, etc… </a:t>
+            </a:r>
+          </a:p>
+          <a:p>
+            <a:endParaRPr lang="en-US"/>
+          </a:p>
+        </p:txBody>
+      </p:sp>
+      <p:sp>
+        <p:nvSpPr>
+          <p:cNvPr id="4" name="Slide Number Placeholder 3"/>
+          <p:cNvSpPr>
+            <a:spLocks noGrp="1"/>
+          </p:cNvSpPr>
+          <p:nvPr>
+            <p:ph type="sldNum" sz="quarter" idx="10"/>
+          </p:nvPr>
+        </p:nvSpPr>
+        <p:spPr/>
+        <p:txBody>
+          <a:bodyPr/>
+          <a:lstStyle/>
+          <a:p>
+            <a:fld id="{1A1CB3E1-70E1-4960-BDBB-5CE579A48DE2}" type="slidenum">
+              <a:rPr lang="en-US" smtClean="0"/>
               <a:t>28</a:t>
             </a:fld>
             <a:endParaRPr lang="en-US"/>
@@ -1274,7 +1358,7 @@
 </p:notes>
 </file>
 
-<file path=ppt/notesSlides/notesSlide8.xml><?xml version="1.0" encoding="utf-8"?>
+<file path=ppt/notesSlides/notesSlide9.xml><?xml version="1.0" encoding="utf-8"?>
 <p:notes xmlns:a="http://schemas.openxmlformats.org/drawingml/2006/main" xmlns:r="http://schemas.openxmlformats.org/officeDocument/2006/relationships" xmlns:p="http://schemas.openxmlformats.org/presentationml/2006/main">
   <p:cSld>
     <p:spTree>
@@ -1508,9 +1592,9 @@
           <a:bodyPr/>
           <a:lstStyle/>
           <a:p>
-            <a:fld id="{E3E546C1-9B9E-4D5E-9700-6D94E90C0B35}" type="datetime1">
+            <a:fld id="{52D70B41-4299-45C5-AD35-6E608BA0CA1D}" type="datetime1">
               <a:rPr lang="en-US" smtClean="0"/>
-              <a:t>4/23/2015</a:t>
+              <a:t>4/25/2015</a:t>
             </a:fld>
             <a:endParaRPr lang="en-US"/>
           </a:p>
@@ -1533,7 +1617,7 @@
           <a:p>
             <a:r>
               <a:rPr lang="en-US" smtClean="0"/>
-              <a:t>FITC - @RAMISAYAR</a:t>
+              <a:t>FULLSTACK - @RAMISAYAR</a:t>
             </a:r>
             <a:endParaRPr lang="en-US"/>
           </a:p>
@@ -1689,9 +1773,9 @@
           <a:bodyPr/>
           <a:lstStyle/>
           <a:p>
-            <a:fld id="{CB5F61EF-5CD6-4BD8-A4C6-2E420E62C11E}" type="datetime1">
+            <a:fld id="{8861AF46-04D6-4398-9815-53B63CCB5B13}" type="datetime1">
               <a:rPr lang="en-US" smtClean="0"/>
-              <a:t>4/23/2015</a:t>
+              <a:t>4/25/2015</a:t>
             </a:fld>
             <a:endParaRPr lang="en-US"/>
           </a:p>
@@ -1714,7 +1798,7 @@
           <a:p>
             <a:r>
               <a:rPr lang="en-US" smtClean="0"/>
-              <a:t>FITC - @RAMISAYAR</a:t>
+              <a:t>FULLSTACK - @RAMISAYAR</a:t>
             </a:r>
             <a:endParaRPr lang="en-US"/>
           </a:p>
@@ -1880,9 +1964,9 @@
           <a:bodyPr/>
           <a:lstStyle/>
           <a:p>
-            <a:fld id="{A53E9063-EE6E-4C40-A93B-B8A48799D3B9}" type="datetime1">
+            <a:fld id="{53F376DB-5A6E-4BE7-A956-6AEC50466D77}" type="datetime1">
               <a:rPr lang="en-US" smtClean="0"/>
-              <a:t>4/23/2015</a:t>
+              <a:t>4/25/2015</a:t>
             </a:fld>
             <a:endParaRPr lang="en-US"/>
           </a:p>
@@ -1905,7 +1989,7 @@
           <a:p>
             <a:r>
               <a:rPr lang="en-US" smtClean="0"/>
-              <a:t>FITC - @RAMISAYAR</a:t>
+              <a:t>FULLSTACK - @RAMISAYAR</a:t>
             </a:r>
             <a:endParaRPr lang="en-US"/>
           </a:p>
@@ -2035,9 +2119,9 @@
           <a:bodyPr/>
           <a:lstStyle/>
           <a:p>
-            <a:fld id="{4B0093D7-D562-4FB3-A4DF-E7985B9988B1}" type="datetime1">
+            <a:fld id="{C1BFF85C-EB9E-4166-9BA3-843B860C759E}" type="datetime1">
               <a:rPr lang="en-US" smtClean="0"/>
-              <a:t>4/23/2015</a:t>
+              <a:t>4/25/2015</a:t>
             </a:fld>
             <a:endParaRPr lang="en-US"/>
           </a:p>
@@ -2060,7 +2144,7 @@
           <a:p>
             <a:r>
               <a:rPr lang="en-US" smtClean="0"/>
-              <a:t>FITC - @RAMISAYAR</a:t>
+              <a:t>FULLSTACK - @RAMISAYAR</a:t>
             </a:r>
             <a:endParaRPr lang="en-US"/>
           </a:p>
@@ -2166,9 +2250,9 @@
           <a:bodyPr/>
           <a:lstStyle/>
           <a:p>
-            <a:fld id="{F6D7B993-87FD-4E4D-940E-C1D79FC2B24F}" type="datetime1">
+            <a:fld id="{C2AB4B73-BA70-4D28-96A3-63B1679E5C75}" type="datetime1">
               <a:rPr lang="en-US" smtClean="0"/>
-              <a:t>4/23/2015</a:t>
+              <a:t>4/25/2015</a:t>
             </a:fld>
             <a:endParaRPr lang="en-US"/>
           </a:p>
@@ -2191,7 +2275,7 @@
           <a:p>
             <a:r>
               <a:rPr lang="en-US" smtClean="0"/>
-              <a:t>FITC - @RAMISAYAR</a:t>
+              <a:t>FULLSTACK - @RAMISAYAR</a:t>
             </a:r>
             <a:endParaRPr lang="en-US"/>
           </a:p>
@@ -2531,9 +2615,9 @@
           <a:bodyPr/>
           <a:lstStyle/>
           <a:p>
-            <a:fld id="{3F340F61-B876-432B-8C36-36876F6CA92E}" type="datetime1">
+            <a:fld id="{707B1C11-3612-481A-A4DE-E94E2CB79C9D}" type="datetime1">
               <a:rPr lang="en-US" smtClean="0"/>
-              <a:t>4/23/2015</a:t>
+              <a:t>4/25/2015</a:t>
             </a:fld>
             <a:endParaRPr lang="en-US"/>
           </a:p>
@@ -2556,7 +2640,7 @@
           <a:p>
             <a:r>
               <a:rPr lang="en-US" smtClean="0"/>
-              <a:t>FITC - @RAMISAYAR</a:t>
+              <a:t>FULLSTACK - @RAMISAYAR</a:t>
             </a:r>
             <a:endParaRPr lang="en-US"/>
           </a:p>
@@ -2788,9 +2872,9 @@
           <a:bodyPr/>
           <a:lstStyle/>
           <a:p>
-            <a:fld id="{F499F30C-3D45-4840-9CF0-7FCAB0139543}" type="datetime1">
+            <a:fld id="{E436052A-34FB-45BF-B898-C7214B38FB03}" type="datetime1">
               <a:rPr lang="en-US" smtClean="0"/>
-              <a:t>4/23/2015</a:t>
+              <a:t>4/25/2015</a:t>
             </a:fld>
             <a:endParaRPr lang="en-US"/>
           </a:p>
@@ -2813,7 +2897,7 @@
           <a:p>
             <a:r>
               <a:rPr lang="en-US" smtClean="0"/>
-              <a:t>FITC - @RAMISAYAR</a:t>
+              <a:t>FULLSTACK - @RAMISAYAR</a:t>
             </a:r>
             <a:endParaRPr lang="en-US"/>
           </a:p>
@@ -3031,9 +3115,9 @@
           <a:bodyPr/>
           <a:lstStyle/>
           <a:p>
-            <a:fld id="{EE79546F-3950-47F3-B113-4DDBAE3194E2}" type="datetime1">
+            <a:fld id="{568CA7AB-B18F-4114-9C41-07B8434DCA06}" type="datetime1">
               <a:rPr lang="en-US" smtClean="0"/>
-              <a:t>4/23/2015</a:t>
+              <a:t>4/25/2015</a:t>
             </a:fld>
             <a:endParaRPr lang="en-US"/>
           </a:p>
@@ -3056,7 +3140,7 @@
           <a:p>
             <a:r>
               <a:rPr lang="en-US" smtClean="0"/>
-              <a:t>FITC - @RAMISAYAR</a:t>
+              <a:t>FULLSTACK - @RAMISAYAR</a:t>
             </a:r>
             <a:endParaRPr lang="en-US"/>
           </a:p>
@@ -3409,9 +3493,9 @@
           <a:bodyPr/>
           <a:lstStyle/>
           <a:p>
-            <a:fld id="{CEAE60E4-78FC-493C-A995-446FFA7B5FDF}" type="datetime1">
+            <a:fld id="{3B6E3DCF-DC8B-436B-B421-CB56A1A6E95B}" type="datetime1">
               <a:rPr lang="en-US" smtClean="0"/>
-              <a:t>4/23/2015</a:t>
+              <a:t>4/25/2015</a:t>
             </a:fld>
             <a:endParaRPr lang="en-US"/>
           </a:p>
@@ -3434,7 +3518,7 @@
           <a:p>
             <a:r>
               <a:rPr lang="en-US" smtClean="0"/>
-              <a:t>FITC - @RAMISAYAR</a:t>
+              <a:t>FULLSTACK - @RAMISAYAR</a:t>
             </a:r>
             <a:endParaRPr lang="en-US"/>
           </a:p>
@@ -3538,9 +3622,9 @@
           <a:bodyPr/>
           <a:lstStyle/>
           <a:p>
-            <a:fld id="{EB0C611C-E8DE-4574-ADCE-F69B755480EA}" type="datetime1">
+            <a:fld id="{461949CD-CEF4-4127-8F80-97533F9EBD97}" type="datetime1">
               <a:rPr lang="en-US" smtClean="0"/>
-              <a:t>4/23/2015</a:t>
+              <a:t>4/25/2015</a:t>
             </a:fld>
             <a:endParaRPr lang="en-US"/>
           </a:p>
@@ -3563,7 +3647,7 @@
           <a:p>
             <a:r>
               <a:rPr lang="en-US" smtClean="0"/>
-              <a:t>FITC - @RAMISAYAR</a:t>
+              <a:t>FULLSTACK - @RAMISAYAR</a:t>
             </a:r>
             <a:endParaRPr lang="en-US"/>
           </a:p>
@@ -3644,9 +3728,9 @@
           <a:bodyPr/>
           <a:lstStyle/>
           <a:p>
-            <a:fld id="{F14AB75A-DFAA-458A-A101-5C8B3447CA7B}" type="datetime1">
+            <a:fld id="{D6F8A408-4BAB-4897-9BA2-ECF2424C7074}" type="datetime1">
               <a:rPr lang="en-US" smtClean="0"/>
-              <a:t>4/23/2015</a:t>
+              <a:t>4/25/2015</a:t>
             </a:fld>
             <a:endParaRPr lang="en-US"/>
           </a:p>
@@ -3669,7 +3753,7 @@
           <a:p>
             <a:r>
               <a:rPr lang="en-US" smtClean="0"/>
-              <a:t>FITC - @RAMISAYAR</a:t>
+              <a:t>FULLSTACK - @RAMISAYAR</a:t>
             </a:r>
             <a:endParaRPr lang="en-US"/>
           </a:p>
@@ -3932,9 +4016,9 @@
           <a:bodyPr/>
           <a:lstStyle/>
           <a:p>
-            <a:fld id="{641A5E31-6E0A-4503-A6F2-9E17E518DA7E}" type="datetime1">
+            <a:fld id="{45928B14-3621-4E7D-8C88-E8539AF88EB9}" type="datetime1">
               <a:rPr lang="en-US" smtClean="0"/>
-              <a:t>4/23/2015</a:t>
+              <a:t>4/25/2015</a:t>
             </a:fld>
             <a:endParaRPr lang="en-US"/>
           </a:p>
@@ -3957,7 +4041,7 @@
           <a:p>
             <a:r>
               <a:rPr lang="en-US" smtClean="0"/>
-              <a:t>FITC - @RAMISAYAR</a:t>
+              <a:t>FULLSTACK - @RAMISAYAR</a:t>
             </a:r>
             <a:endParaRPr lang="en-US"/>
           </a:p>
@@ -4193,9 +4277,9 @@
           <a:bodyPr/>
           <a:lstStyle/>
           <a:p>
-            <a:fld id="{7BF1D218-F512-4B90-8E13-5EB310DFB765}" type="datetime1">
+            <a:fld id="{3ACAB7DE-9600-47D8-A3C9-19BF307914AD}" type="datetime1">
               <a:rPr lang="en-US" smtClean="0"/>
-              <a:t>4/23/2015</a:t>
+              <a:t>4/25/2015</a:t>
             </a:fld>
             <a:endParaRPr lang="en-US"/>
           </a:p>
@@ -4218,7 +4302,7 @@
           <a:p>
             <a:r>
               <a:rPr lang="en-US" smtClean="0"/>
-              <a:t>FITC - @RAMISAYAR</a:t>
+              <a:t>FULLSTACK - @RAMISAYAR</a:t>
             </a:r>
             <a:endParaRPr lang="en-US"/>
           </a:p>
@@ -4410,9 +4494,9 @@
             </a:lvl1pPr>
           </a:lstStyle>
           <a:p>
-            <a:fld id="{D235446B-2D27-4736-8E98-135B5BB946B4}" type="datetime1">
+            <a:fld id="{2A6863E3-FCA6-4E52-85FD-BD23ECBC3395}" type="datetime1">
               <a:rPr lang="en-US" smtClean="0"/>
-              <a:t>4/23/2015</a:t>
+              <a:t>4/25/2015</a:t>
             </a:fld>
             <a:endParaRPr lang="en-US"/>
           </a:p>
@@ -4453,8 +4537,8 @@
           </a:lstStyle>
           <a:p>
             <a:r>
-              <a:rPr lang="en-US" dirty="0" smtClean="0"/>
-              <a:t>FITC - @RAMISAYAR</a:t>
+              <a:rPr lang="en-US" smtClean="0"/>
+              <a:t>FULLSTACK - @RAMISAYAR</a:t>
             </a:r>
             <a:endParaRPr lang="en-US" dirty="0"/>
           </a:p>
@@ -5250,7 +5334,7 @@
           <a:p>
             <a:r>
               <a:rPr lang="en-US" smtClean="0"/>
-              <a:t>FITC - @RAMISAYAR</a:t>
+              <a:t>FULLSTACK - @RAMISAYAR</a:t>
             </a:r>
             <a:endParaRPr lang="en-US"/>
           </a:p>
@@ -5326,7 +5410,7 @@
           <a:p>
             <a:r>
               <a:rPr lang="en-US" smtClean="0"/>
-              <a:t>FITC - @RAMISAYAR</a:t>
+              <a:t>FULLSTACK - @RAMISAYAR</a:t>
             </a:r>
             <a:endParaRPr lang="en-US"/>
           </a:p>
@@ -5421,7 +5505,7 @@
           <a:p>
             <a:r>
               <a:rPr lang="en-US" smtClean="0"/>
-              <a:t>FITC - @RAMISAYAR</a:t>
+              <a:t>FULLSTACK - @RAMISAYAR</a:t>
             </a:r>
             <a:endParaRPr lang="en-US"/>
           </a:p>
@@ -5524,7 +5608,7 @@
           <a:p>
             <a:r>
               <a:rPr lang="en-US" smtClean="0"/>
-              <a:t>FITC - @RAMISAYAR</a:t>
+              <a:t>FULLSTACK - @RAMISAYAR</a:t>
             </a:r>
             <a:endParaRPr lang="en-US"/>
           </a:p>
@@ -6483,12 +6567,12 @@
           <a:lstStyle/>
           <a:p>
             <a:r>
-              <a:rPr lang="en-US" dirty="0" smtClean="0">
+              <a:rPr lang="en-US" smtClean="0">
                 <a:solidFill>
                   <a:schemeClr val="bg1"/>
                 </a:solidFill>
               </a:rPr>
-              <a:t>FITC - @RAMISAYAR</a:t>
+              <a:t>FULLSTACK - @RAMISAYAR</a:t>
             </a:r>
             <a:endParaRPr lang="en-US" dirty="0">
               <a:solidFill>
@@ -6595,7 +6679,7 @@
           <a:p>
             <a:r>
               <a:rPr lang="en-US" smtClean="0"/>
-              <a:t>FITC - @RAMISAYAR</a:t>
+              <a:t>FULLSTACK - @RAMISAYAR</a:t>
             </a:r>
             <a:endParaRPr lang="en-US"/>
           </a:p>
@@ -8149,7 +8233,7 @@
           <a:p>
             <a:r>
               <a:rPr lang="en-US" smtClean="0"/>
-              <a:t>FITC - @RAMISAYAR</a:t>
+              <a:t>FULLSTACK - @RAMISAYAR</a:t>
             </a:r>
             <a:endParaRPr lang="en-US"/>
           </a:p>
@@ -9923,7 +10007,7 @@
           <a:p>
             <a:r>
               <a:rPr lang="en-US" smtClean="0"/>
-              <a:t>FITC - @RAMISAYAR</a:t>
+              <a:t>FULLSTACK - @RAMISAYAR</a:t>
             </a:r>
             <a:endParaRPr lang="en-US"/>
           </a:p>
@@ -11624,7 +11708,7 @@
           <a:p>
             <a:r>
               <a:rPr lang="en-US" smtClean="0"/>
-              <a:t>FITC - @RAMISAYAR</a:t>
+              <a:t>FULLSTACK - @RAMISAYAR</a:t>
             </a:r>
             <a:endParaRPr lang="en-US"/>
           </a:p>
@@ -11735,7 +11819,7 @@
           <a:p>
             <a:r>
               <a:rPr lang="en-US" smtClean="0"/>
-              <a:t>FITC - @RAMISAYAR</a:t>
+              <a:t>FULLSTACK - @RAMISAYAR</a:t>
             </a:r>
             <a:endParaRPr lang="en-US"/>
           </a:p>
@@ -12834,10 +12918,10 @@
           <a:lstStyle/>
           <a:p>
             <a:r>
-              <a:rPr lang="en-US" smtClean="0"/>
-              <a:t>FITC - @RAMISAYAR</a:t>
-            </a:r>
-            <a:endParaRPr lang="en-US"/>
+              <a:rPr lang="en-US" dirty="0" smtClean="0"/>
+              <a:t>FULLSTACK - @RAMISAYAR</a:t>
+            </a:r>
+            <a:endParaRPr lang="en-US" dirty="0"/>
           </a:p>
         </p:txBody>
       </p:sp>
@@ -12956,7 +13040,7 @@
           <a:p>
             <a:r>
               <a:rPr lang="en-US" smtClean="0"/>
-              <a:t>FITC - @RAMISAYAR</a:t>
+              <a:t>FULLSTACK - @RAMISAYAR</a:t>
             </a:r>
             <a:endParaRPr lang="en-US"/>
           </a:p>
@@ -13890,7 +13974,7 @@
           <a:p>
             <a:r>
               <a:rPr lang="en-US" smtClean="0"/>
-              <a:t>FITC - @RAMISAYAR</a:t>
+              <a:t>FULLSTACK - @RAMISAYAR</a:t>
             </a:r>
             <a:endParaRPr lang="en-US"/>
           </a:p>
@@ -14973,7 +15057,7 @@
           <a:p>
             <a:r>
               <a:rPr lang="en-US" smtClean="0"/>
-              <a:t>FITC - @RAMISAYAR</a:t>
+              <a:t>FULLSTACK - @RAMISAYAR</a:t>
             </a:r>
             <a:endParaRPr lang="en-US"/>
           </a:p>
@@ -15643,7 +15727,7 @@
           <a:p>
             <a:r>
               <a:rPr lang="en-US" smtClean="0"/>
-              <a:t>FITC - @RAMISAYAR</a:t>
+              <a:t>FULLSTACK - @RAMISAYAR</a:t>
             </a:r>
             <a:endParaRPr lang="en-US"/>
           </a:p>
@@ -16096,7 +16180,7 @@
           <a:p>
             <a:r>
               <a:rPr lang="en-US" smtClean="0"/>
-              <a:t>FITC - @RAMISAYAR</a:t>
+              <a:t>FULLSTACK - @RAMISAYAR</a:t>
             </a:r>
             <a:endParaRPr lang="en-US"/>
           </a:p>
@@ -16611,7 +16695,7 @@
           <a:p>
             <a:r>
               <a:rPr lang="en-US" smtClean="0"/>
-              <a:t>FITC - @RAMISAYAR</a:t>
+              <a:t>FULLSTACK - @RAMISAYAR</a:t>
             </a:r>
             <a:endParaRPr lang="en-US"/>
           </a:p>
@@ -17285,7 +17369,7 @@
           <a:p>
             <a:r>
               <a:rPr lang="en-US" smtClean="0"/>
-              <a:t>FITC - @RAMISAYAR</a:t>
+              <a:t>FULLSTACK - @RAMISAYAR</a:t>
             </a:r>
             <a:endParaRPr lang="en-US"/>
           </a:p>
@@ -17380,7 +17464,7 @@
           <a:p>
             <a:r>
               <a:rPr lang="en-US" smtClean="0"/>
-              <a:t>FITC - @RAMISAYAR</a:t>
+              <a:t>FULLSTACK - @RAMISAYAR</a:t>
             </a:r>
             <a:endParaRPr lang="en-US"/>
           </a:p>
@@ -17456,7 +17540,7 @@
           <a:p>
             <a:r>
               <a:rPr lang="en-US" smtClean="0"/>
-              <a:t>FITC - @RAMISAYAR</a:t>
+              <a:t>FULLSTACK - @RAMISAYAR</a:t>
             </a:r>
             <a:endParaRPr lang="en-US"/>
           </a:p>
@@ -18353,7 +18437,7 @@
           <a:p>
             <a:r>
               <a:rPr lang="en-US" smtClean="0"/>
-              <a:t>FITC - @RAMISAYAR</a:t>
+              <a:t>FULLSTACK - @RAMISAYAR</a:t>
             </a:r>
             <a:endParaRPr lang="en-US"/>
           </a:p>
@@ -18455,6 +18539,10 @@
           <a:bodyPr/>
           <a:lstStyle/>
           <a:p>
+            <a:r>
+              <a:rPr lang="en-US" smtClean="0"/>
+              <a:t>FULLSTACK - @RAMISAYAR</a:t>
+            </a:r>
             <a:endParaRPr lang="en-US" dirty="0"/>
           </a:p>
         </p:txBody>
@@ -19262,7 +19350,7 @@
           <a:p>
             <a:r>
               <a:rPr lang="en-US" smtClean="0"/>
-              <a:t>FITC - @RAMISAYAR</a:t>
+              <a:t>FULLSTACK - @RAMISAYAR</a:t>
             </a:r>
             <a:endParaRPr lang="en-US"/>
           </a:p>
@@ -19614,7 +19702,7 @@
           <a:p>
             <a:r>
               <a:rPr lang="en-US" smtClean="0"/>
-              <a:t>FITC - @RAMISAYAR</a:t>
+              <a:t>FULLSTACK - @RAMISAYAR</a:t>
             </a:r>
             <a:endParaRPr lang="en-US"/>
           </a:p>
@@ -19746,7 +19834,7 @@
           <a:p>
             <a:r>
               <a:rPr lang="en-US" smtClean="0"/>
-              <a:t>FITC - @RAMISAYAR</a:t>
+              <a:t>FULLSTACK - @RAMISAYAR</a:t>
             </a:r>
             <a:endParaRPr lang="en-US"/>
           </a:p>
@@ -19873,7 +19961,7 @@
           <a:p>
             <a:r>
               <a:rPr lang="en-US" smtClean="0"/>
-              <a:t>FITC - @RAMISAYAR</a:t>
+              <a:t>FULLSTACK - @RAMISAYAR</a:t>
             </a:r>
             <a:endParaRPr lang="en-US"/>
           </a:p>
@@ -20644,7 +20732,7 @@
           <a:p>
             <a:r>
               <a:rPr lang="en-US" smtClean="0"/>
-              <a:t>FITC - @RAMISAYAR</a:t>
+              <a:t>FULLSTACK - @RAMISAYAR</a:t>
             </a:r>
             <a:endParaRPr lang="en-US"/>
           </a:p>
@@ -21350,7 +21438,7 @@
           <a:p>
             <a:r>
               <a:rPr lang="en-US" smtClean="0"/>
-              <a:t>FITC - @RAMISAYAR</a:t>
+              <a:t>FULLSTACK - @RAMISAYAR</a:t>
             </a:r>
             <a:endParaRPr lang="en-US"/>
           </a:p>
@@ -21539,7 +21627,7 @@
           <a:p>
             <a:r>
               <a:rPr lang="en-US" smtClean="0"/>
-              <a:t>FITC - @RAMISAYAR</a:t>
+              <a:t>FULLSTACK - @RAMISAYAR</a:t>
             </a:r>
             <a:endParaRPr lang="en-US"/>
           </a:p>
@@ -21644,7 +21732,7 @@
           <a:p>
             <a:r>
               <a:rPr lang="en-US" smtClean="0"/>
-              <a:t>FITC - @RAMISAYAR</a:t>
+              <a:t>FULLSTACK - @RAMISAYAR</a:t>
             </a:r>
             <a:endParaRPr lang="en-US"/>
           </a:p>
@@ -21747,7 +21835,7 @@
           <a:p>
             <a:r>
               <a:rPr lang="en-US" smtClean="0"/>
-              <a:t>FITC - @RAMISAYAR</a:t>
+              <a:t>FULLSTACK - @RAMISAYAR</a:t>
             </a:r>
             <a:endParaRPr lang="en-US"/>
           </a:p>
@@ -21863,7 +21951,7 @@
           <a:p>
             <a:r>
               <a:rPr lang="en-US" smtClean="0"/>
-              <a:t>FITC - @RAMISAYAR</a:t>
+              <a:t>FULLSTACK - @RAMISAYAR</a:t>
             </a:r>
             <a:endParaRPr lang="en-US"/>
           </a:p>
@@ -21940,12 +22028,12 @@
           <a:lstStyle/>
           <a:p>
             <a:r>
-              <a:rPr lang="en-US" dirty="0" smtClean="0">
+              <a:rPr lang="en-US" smtClean="0">
                 <a:solidFill>
                   <a:schemeClr val="bg1"/>
                 </a:solidFill>
               </a:rPr>
-              <a:t>FITC - @RAMISAYAR</a:t>
+              <a:t>FULLSTACK - @RAMISAYAR</a:t>
             </a:r>
             <a:endParaRPr lang="en-US" dirty="0">
               <a:solidFill>
@@ -22911,7 +22999,7 @@
           <a:p>
             <a:r>
               <a:rPr lang="en-US" smtClean="0"/>
-              <a:t>FITC - @RAMISAYAR</a:t>
+              <a:t>FULLSTACK - @RAMISAYAR</a:t>
             </a:r>
             <a:endParaRPr lang="en-US"/>
           </a:p>
@@ -23741,7 +23829,7 @@
           <a:p>
             <a:r>
               <a:rPr lang="en-US" smtClean="0"/>
-              <a:t>FITC - @RAMISAYAR</a:t>
+              <a:t>FULLSTACK - @RAMISAYAR</a:t>
             </a:r>
             <a:endParaRPr lang="en-US"/>
           </a:p>
@@ -23882,7 +23970,7 @@
           <a:p>
             <a:r>
               <a:rPr lang="en-US" smtClean="0"/>
-              <a:t>FITC - @RAMISAYAR</a:t>
+              <a:t>FULLSTACK - @RAMISAYAR</a:t>
             </a:r>
             <a:endParaRPr lang="en-US"/>
           </a:p>
@@ -24448,7 +24536,7 @@
           <a:p>
             <a:r>
               <a:rPr lang="en-US" smtClean="0"/>
-              <a:t>FITC - @RAMISAYAR</a:t>
+              <a:t>FULLSTACK - @RAMISAYAR</a:t>
             </a:r>
             <a:endParaRPr lang="en-US"/>
           </a:p>
@@ -24543,7 +24631,7 @@
           <a:p>
             <a:r>
               <a:rPr lang="en-US" smtClean="0"/>
-              <a:t>FITC - @RAMISAYAR</a:t>
+              <a:t>FULLSTACK - @RAMISAYAR</a:t>
             </a:r>
             <a:endParaRPr lang="en-US"/>
           </a:p>
@@ -25223,7 +25311,7 @@
           <a:p>
             <a:r>
               <a:rPr lang="en-US" smtClean="0"/>
-              <a:t>FITC - @RAMISAYAR</a:t>
+              <a:t>FULLSTACK - @RAMISAYAR</a:t>
             </a:r>
             <a:endParaRPr lang="en-US"/>
           </a:p>
@@ -25379,7 +25467,7 @@
           <a:p>
             <a:r>
               <a:rPr lang="en-US" smtClean="0"/>
-              <a:t>FITC - @RAMISAYAR</a:t>
+              <a:t>FULLSTACK - @RAMISAYAR</a:t>
             </a:r>
             <a:endParaRPr lang="en-US"/>
           </a:p>
@@ -26341,7 +26429,7 @@
           <a:p>
             <a:r>
               <a:rPr lang="en-US" smtClean="0"/>
-              <a:t>FITC - @RAMISAYAR</a:t>
+              <a:t>FULLSTACK - @RAMISAYAR</a:t>
             </a:r>
             <a:endParaRPr lang="en-US"/>
           </a:p>
@@ -26579,7 +26667,7 @@
           <a:p>
             <a:r>
               <a:rPr lang="en-US" smtClean="0"/>
-              <a:t>FITC - @RAMISAYAR</a:t>
+              <a:t>FULLSTACK - @RAMISAYAR</a:t>
             </a:r>
             <a:endParaRPr lang="en-US"/>
           </a:p>
@@ -26742,12 +26830,12 @@
           <a:lstStyle/>
           <a:p>
             <a:r>
-              <a:rPr lang="en-US" dirty="0" smtClean="0">
+              <a:rPr lang="en-US" smtClean="0">
                 <a:solidFill>
                   <a:schemeClr val="bg1"/>
                 </a:solidFill>
               </a:rPr>
-              <a:t>FITC - @RAMISAYAR</a:t>
+              <a:t>FULLSTACK - @RAMISAYAR</a:t>
             </a:r>
             <a:endParaRPr lang="en-US" dirty="0">
               <a:solidFill>
@@ -26870,7 +26958,7 @@
           <a:p>
             <a:r>
               <a:rPr lang="en-US" smtClean="0"/>
-              <a:t>FITC - @RAMISAYAR</a:t>
+              <a:t>FULLSTACK - @RAMISAYAR</a:t>
             </a:r>
             <a:endParaRPr lang="en-US"/>
           </a:p>
@@ -27023,7 +27111,7 @@
           <a:p>
             <a:r>
               <a:rPr lang="en-US" smtClean="0"/>
-              <a:t>FITC - @RAMISAYAR</a:t>
+              <a:t>FULLSTACK - @RAMISAYAR</a:t>
             </a:r>
             <a:endParaRPr lang="en-US"/>
           </a:p>
@@ -27190,7 +27278,7 @@
           <a:p>
             <a:r>
               <a:rPr lang="en-US" smtClean="0"/>
-              <a:t>FITC - @RAMISAYAR</a:t>
+              <a:t>FULLSTACK - @RAMISAYAR</a:t>
             </a:r>
             <a:endParaRPr lang="en-US"/>
           </a:p>
@@ -27279,7 +27367,7 @@
         <p:spPr/>
         <p:txBody>
           <a:bodyPr>
-            <a:normAutofit fontScale="77500" lnSpcReduction="20000"/>
+            <a:normAutofit fontScale="92500" lnSpcReduction="20000"/>
           </a:bodyPr>
           <a:lstStyle/>
           <a:p>
@@ -27383,29 +27471,6 @@
               <a:buNone/>
             </a:pPr>
             <a:endParaRPr lang="en-US" sz="4800" dirty="0"/>
-          </a:p>
-        </p:txBody>
-      </p:sp>
-      <p:sp>
-        <p:nvSpPr>
-          <p:cNvPr id="3" name="Footer Placeholder 2"/>
-          <p:cNvSpPr>
-            <a:spLocks noGrp="1"/>
-          </p:cNvSpPr>
-          <p:nvPr>
-            <p:ph type="ftr" sz="quarter" idx="11"/>
-          </p:nvPr>
-        </p:nvSpPr>
-        <p:spPr/>
-        <p:txBody>
-          <a:bodyPr/>
-          <a:lstStyle/>
-          <a:p>
-            <a:r>
-              <a:rPr lang="en-US" smtClean="0"/>
-              <a:t>FITC - @RAMISAYAR</a:t>
-            </a:r>
-            <a:endParaRPr lang="en-US"/>
           </a:p>
         </p:txBody>
       </p:sp>
@@ -27482,7 +27547,7 @@
         <p:spPr/>
         <p:txBody>
           <a:bodyPr>
-            <a:normAutofit fontScale="92500" lnSpcReduction="10000"/>
+            <a:normAutofit lnSpcReduction="10000"/>
           </a:bodyPr>
           <a:lstStyle/>
           <a:p>
@@ -27609,7 +27674,7 @@
           <a:p>
             <a:r>
               <a:rPr lang="en-US" smtClean="0"/>
-              <a:t>FITC - @RAMISAYAR</a:t>
+              <a:t>FULLSTACK - @RAMISAYAR</a:t>
             </a:r>
             <a:endParaRPr lang="en-US"/>
           </a:p>
@@ -27821,7 +27886,7 @@
           <a:p>
             <a:r>
               <a:rPr lang="en-US" smtClean="0"/>
-              <a:t>FITC - @RAMISAYAR</a:t>
+              <a:t>FULLSTACK - @RAMISAYAR</a:t>
             </a:r>
             <a:endParaRPr lang="en-US"/>
           </a:p>
@@ -27997,7 +28062,7 @@
           <a:p>
             <a:r>
               <a:rPr lang="en-US" smtClean="0"/>
-              <a:t>FITC - @RAMISAYAR</a:t>
+              <a:t>FULLSTACK - @RAMISAYAR</a:t>
             </a:r>
             <a:endParaRPr lang="en-US"/>
           </a:p>
@@ -28568,7 +28633,7 @@
           <a:p>
             <a:r>
               <a:rPr lang="en-US" smtClean="0"/>
-              <a:t>FITC - @RAMISAYAR</a:t>
+              <a:t>FULLSTACK - @RAMISAYAR</a:t>
             </a:r>
             <a:endParaRPr lang="en-US"/>
           </a:p>
@@ -28725,7 +28790,7 @@
           <a:p>
             <a:r>
               <a:rPr lang="en-US" smtClean="0"/>
-              <a:t>FITC - @RAMISAYAR</a:t>
+              <a:t>FULLSTACK - @RAMISAYAR</a:t>
             </a:r>
             <a:endParaRPr lang="en-US"/>
           </a:p>
@@ -28801,7 +28866,7 @@
           <a:p>
             <a:r>
               <a:rPr lang="en-US" smtClean="0"/>
-              <a:t>FITC - @RAMISAYAR</a:t>
+              <a:t>FULLSTACK - @RAMISAYAR</a:t>
             </a:r>
             <a:endParaRPr lang="en-US"/>
           </a:p>
@@ -28966,7 +29031,7 @@
           <a:p>
             <a:r>
               <a:rPr lang="en-US" smtClean="0"/>
-              <a:t>FITC - @RAMISAYAR</a:t>
+              <a:t>FULLSTACK - @RAMISAYAR</a:t>
             </a:r>
             <a:endParaRPr lang="en-US"/>
           </a:p>
@@ -29508,12 +29573,21 @@
 </file>
 
 <file path=customXml/item1.xml><?xml version="1.0" encoding="utf-8"?>
+<?mso-contentType ?>
+<FormTemplates xmlns="http://schemas.microsoft.com/sharepoint/v3/contenttype/forms">
+  <Display>DocumentLibraryForm</Display>
+  <Edit>DocumentLibraryForm</Edit>
+  <New>DocumentLibraryForm</New>
+</FormTemplates>
+</file>
+
+<file path=customXml/item2.xml><?xml version="1.0" encoding="utf-8"?>
 <p:properties xmlns:p="http://schemas.microsoft.com/office/2006/metadata/properties" xmlns:xsi="http://www.w3.org/2001/XMLSchema-instance" xmlns:pc="http://schemas.microsoft.com/office/infopath/2007/PartnerControls">
   <documentManagement/>
 </p:properties>
 </file>
 
-<file path=customXml/item2.xml><?xml version="1.0" encoding="utf-8"?>
+<file path=customXml/item3.xml><?xml version="1.0" encoding="utf-8"?>
 <ct:contentTypeSchema xmlns:ct="http://schemas.microsoft.com/office/2006/metadata/contentType" xmlns:ma="http://schemas.microsoft.com/office/2006/metadata/properties/metaAttributes" ct:_="" ma:_="" ma:contentTypeName="Document" ma:contentTypeID="0x01010055543771A82ED74A8DEAFE4CE64F06A7" ma:contentTypeVersion="1" ma:contentTypeDescription="Create a new document." ma:contentTypeScope="" ma:versionID="ac6f568d170bc2dd724d1aa801d9270a">
   <xsd:schema xmlns:xsd="http://www.w3.org/2001/XMLSchema" xmlns:xs="http://www.w3.org/2001/XMLSchema" xmlns:p="http://schemas.microsoft.com/office/2006/metadata/properties" xmlns:ns3="dff2e961-dbd1-4b6a-ab85-d84f915edb70" targetNamespace="http://schemas.microsoft.com/office/2006/metadata/properties" ma:root="true" ma:fieldsID="da465e94d1422be17fbc2047479bb196" ns3:_="">
     <xsd:import namespace="dff2e961-dbd1-4b6a-ab85-d84f915edb70"/>
@@ -29653,16 +29727,15 @@
 </ct:contentTypeSchema>
 </file>
 
-<file path=customXml/item3.xml><?xml version="1.0" encoding="utf-8"?>
-<?mso-contentType ?>
-<FormTemplates xmlns="http://schemas.microsoft.com/sharepoint/v3/contenttype/forms">
-  <Display>DocumentLibraryForm</Display>
-  <Edit>DocumentLibraryForm</Edit>
-  <New>DocumentLibraryForm</New>
-</FormTemplates>
+<file path=customXml/itemProps1.xml><?xml version="1.0" encoding="utf-8"?>
+<ds:datastoreItem xmlns:ds="http://schemas.openxmlformats.org/officeDocument/2006/customXml" ds:itemID="{FED2B90E-7551-4737-913C-9E5D5CFD0995}">
+  <ds:schemaRefs>
+    <ds:schemaRef ds:uri="http://schemas.microsoft.com/sharepoint/v3/contenttype/forms"/>
+  </ds:schemaRefs>
+</ds:datastoreItem>
 </file>
 
-<file path=customXml/itemProps1.xml><?xml version="1.0" encoding="utf-8"?>
+<file path=customXml/itemProps2.xml><?xml version="1.0" encoding="utf-8"?>
 <ds:datastoreItem xmlns:ds="http://schemas.openxmlformats.org/officeDocument/2006/customXml" ds:itemID="{B91D0F85-582A-44D6-AD1E-4CB486C41569}">
   <ds:schemaRefs>
     <ds:schemaRef ds:uri="http://purl.org/dc/terms/"/>
@@ -29678,7 +29751,7 @@
 </ds:datastoreItem>
 </file>
 
-<file path=customXml/itemProps2.xml><?xml version="1.0" encoding="utf-8"?>
+<file path=customXml/itemProps3.xml><?xml version="1.0" encoding="utf-8"?>
 <ds:datastoreItem xmlns:ds="http://schemas.openxmlformats.org/officeDocument/2006/customXml" ds:itemID="{4F2992B1-C7C8-42CD-B309-0658FD0DD9C6}">
   <ds:schemaRefs>
     <ds:schemaRef ds:uri="http://schemas.microsoft.com/office/2006/metadata/contentType"/>
@@ -29694,12 +29767,4 @@
     <ds:schemaRef ds:uri="http://schemas.microsoft.com/internal/obd"/>
   </ds:schemaRefs>
 </ds:datastoreItem>
-</file>
-
-<file path=customXml/itemProps3.xml><?xml version="1.0" encoding="utf-8"?>
-<ds:datastoreItem xmlns:ds="http://schemas.openxmlformats.org/officeDocument/2006/customXml" ds:itemID="{FED2B90E-7551-4737-913C-9E5D5CFD0995}">
-  <ds:schemaRefs>
-    <ds:schemaRef ds:uri="http://schemas.microsoft.com/sharepoint/v3/contenttype/forms"/>
-  </ds:schemaRefs>
-</ds:datastoreItem>
 </file>
--- a/decks/1 - Keynote.pptx
+++ b/decks/1 - Keynote.pptx
@@ -363,7 +363,7 @@
           <a:p>
             <a:fld id="{D7912463-2EB7-42C0-8AD4-F0A02C6EC2BF}" type="datetimeFigureOut">
               <a:rPr lang="en-US" smtClean="0"/>
-              <a:t>4/25/2015</a:t>
+              <a:t>5/29/2015</a:t>
             </a:fld>
             <a:endParaRPr lang="en-US"/>
           </a:p>
@@ -1594,7 +1594,7 @@
           <a:p>
             <a:fld id="{52D70B41-4299-45C5-AD35-6E608BA0CA1D}" type="datetime1">
               <a:rPr lang="en-US" smtClean="0"/>
-              <a:t>4/25/2015</a:t>
+              <a:t>5/29/2015</a:t>
             </a:fld>
             <a:endParaRPr lang="en-US"/>
           </a:p>
@@ -1775,7 +1775,7 @@
           <a:p>
             <a:fld id="{8861AF46-04D6-4398-9815-53B63CCB5B13}" type="datetime1">
               <a:rPr lang="en-US" smtClean="0"/>
-              <a:t>4/25/2015</a:t>
+              <a:t>5/29/2015</a:t>
             </a:fld>
             <a:endParaRPr lang="en-US"/>
           </a:p>
@@ -1966,7 +1966,7 @@
           <a:p>
             <a:fld id="{53F376DB-5A6E-4BE7-A956-6AEC50466D77}" type="datetime1">
               <a:rPr lang="en-US" smtClean="0"/>
-              <a:t>4/25/2015</a:t>
+              <a:t>5/29/2015</a:t>
             </a:fld>
             <a:endParaRPr lang="en-US"/>
           </a:p>
@@ -2121,7 +2121,7 @@
           <a:p>
             <a:fld id="{C1BFF85C-EB9E-4166-9BA3-843B860C759E}" type="datetime1">
               <a:rPr lang="en-US" smtClean="0"/>
-              <a:t>4/25/2015</a:t>
+              <a:t>5/29/2015</a:t>
             </a:fld>
             <a:endParaRPr lang="en-US"/>
           </a:p>
@@ -2252,7 +2252,7 @@
           <a:p>
             <a:fld id="{C2AB4B73-BA70-4D28-96A3-63B1679E5C75}" type="datetime1">
               <a:rPr lang="en-US" smtClean="0"/>
-              <a:t>4/25/2015</a:t>
+              <a:t>5/29/2015</a:t>
             </a:fld>
             <a:endParaRPr lang="en-US"/>
           </a:p>
@@ -2617,7 +2617,7 @@
           <a:p>
             <a:fld id="{707B1C11-3612-481A-A4DE-E94E2CB79C9D}" type="datetime1">
               <a:rPr lang="en-US" smtClean="0"/>
-              <a:t>4/25/2015</a:t>
+              <a:t>5/29/2015</a:t>
             </a:fld>
             <a:endParaRPr lang="en-US"/>
           </a:p>
@@ -2874,7 +2874,7 @@
           <a:p>
             <a:fld id="{E436052A-34FB-45BF-B898-C7214B38FB03}" type="datetime1">
               <a:rPr lang="en-US" smtClean="0"/>
-              <a:t>4/25/2015</a:t>
+              <a:t>5/29/2015</a:t>
             </a:fld>
             <a:endParaRPr lang="en-US"/>
           </a:p>
@@ -3117,7 +3117,7 @@
           <a:p>
             <a:fld id="{568CA7AB-B18F-4114-9C41-07B8434DCA06}" type="datetime1">
               <a:rPr lang="en-US" smtClean="0"/>
-              <a:t>4/25/2015</a:t>
+              <a:t>5/29/2015</a:t>
             </a:fld>
             <a:endParaRPr lang="en-US"/>
           </a:p>
@@ -3495,7 +3495,7 @@
           <a:p>
             <a:fld id="{3B6E3DCF-DC8B-436B-B421-CB56A1A6E95B}" type="datetime1">
               <a:rPr lang="en-US" smtClean="0"/>
-              <a:t>4/25/2015</a:t>
+              <a:t>5/29/2015</a:t>
             </a:fld>
             <a:endParaRPr lang="en-US"/>
           </a:p>
@@ -3624,7 +3624,7 @@
           <a:p>
             <a:fld id="{461949CD-CEF4-4127-8F80-97533F9EBD97}" type="datetime1">
               <a:rPr lang="en-US" smtClean="0"/>
-              <a:t>4/25/2015</a:t>
+              <a:t>5/29/2015</a:t>
             </a:fld>
             <a:endParaRPr lang="en-US"/>
           </a:p>
@@ -3730,7 +3730,7 @@
           <a:p>
             <a:fld id="{D6F8A408-4BAB-4897-9BA2-ECF2424C7074}" type="datetime1">
               <a:rPr lang="en-US" smtClean="0"/>
-              <a:t>4/25/2015</a:t>
+              <a:t>5/29/2015</a:t>
             </a:fld>
             <a:endParaRPr lang="en-US"/>
           </a:p>
@@ -4018,7 +4018,7 @@
           <a:p>
             <a:fld id="{45928B14-3621-4E7D-8C88-E8539AF88EB9}" type="datetime1">
               <a:rPr lang="en-US" smtClean="0"/>
-              <a:t>4/25/2015</a:t>
+              <a:t>5/29/2015</a:t>
             </a:fld>
             <a:endParaRPr lang="en-US"/>
           </a:p>
@@ -4279,7 +4279,7 @@
           <a:p>
             <a:fld id="{3ACAB7DE-9600-47D8-A3C9-19BF307914AD}" type="datetime1">
               <a:rPr lang="en-US" smtClean="0"/>
-              <a:t>4/25/2015</a:t>
+              <a:t>5/29/2015</a:t>
             </a:fld>
             <a:endParaRPr lang="en-US"/>
           </a:p>
@@ -4496,7 +4496,7 @@
           <a:p>
             <a:fld id="{2A6863E3-FCA6-4E52-85FD-BD23ECBC3395}" type="datetime1">
               <a:rPr lang="en-US" smtClean="0"/>
-              <a:t>4/25/2015</a:t>
+              <a:t>5/29/2015</a:t>
             </a:fld>
             <a:endParaRPr lang="en-US"/>
           </a:p>
@@ -27364,7 +27364,12 @@
             <p:ph type="subTitle" idx="1"/>
           </p:nvPr>
         </p:nvSpPr>
-        <p:spPr/>
+        <p:spPr>
+          <a:xfrm>
+            <a:off x="723900" y="3602038"/>
+            <a:ext cx="10744200" cy="1655762"/>
+          </a:xfrm>
+        </p:spPr>
         <p:txBody>
           <a:bodyPr>
             <a:normAutofit fontScale="92500" lnSpcReduction="20000"/>
@@ -27547,7 +27552,7 @@
         <p:spPr/>
         <p:txBody>
           <a:bodyPr>
-            <a:normAutofit lnSpcReduction="10000"/>
+            <a:normAutofit fontScale="92500" lnSpcReduction="10000"/>
           </a:bodyPr>
           <a:lstStyle/>
           <a:p>
@@ -29573,18 +29578,18 @@
 </file>
 
 <file path=customXml/item1.xml><?xml version="1.0" encoding="utf-8"?>
+<p:properties xmlns:p="http://schemas.microsoft.com/office/2006/metadata/properties" xmlns:xsi="http://www.w3.org/2001/XMLSchema-instance" xmlns:pc="http://schemas.microsoft.com/office/infopath/2007/PartnerControls">
+  <documentManagement/>
+</p:properties>
+</file>
+
+<file path=customXml/item2.xml><?xml version="1.0" encoding="utf-8"?>
 <?mso-contentType ?>
 <FormTemplates xmlns="http://schemas.microsoft.com/sharepoint/v3/contenttype/forms">
   <Display>DocumentLibraryForm</Display>
   <Edit>DocumentLibraryForm</Edit>
   <New>DocumentLibraryForm</New>
 </FormTemplates>
-</file>
-
-<file path=customXml/item2.xml><?xml version="1.0" encoding="utf-8"?>
-<p:properties xmlns:p="http://schemas.microsoft.com/office/2006/metadata/properties" xmlns:xsi="http://www.w3.org/2001/XMLSchema-instance" xmlns:pc="http://schemas.microsoft.com/office/infopath/2007/PartnerControls">
-  <documentManagement/>
-</p:properties>
 </file>
 
 <file path=customXml/item3.xml><?xml version="1.0" encoding="utf-8"?>
@@ -29728,14 +29733,6 @@
 </file>
 
 <file path=customXml/itemProps1.xml><?xml version="1.0" encoding="utf-8"?>
-<ds:datastoreItem xmlns:ds="http://schemas.openxmlformats.org/officeDocument/2006/customXml" ds:itemID="{FED2B90E-7551-4737-913C-9E5D5CFD0995}">
-  <ds:schemaRefs>
-    <ds:schemaRef ds:uri="http://schemas.microsoft.com/sharepoint/v3/contenttype/forms"/>
-  </ds:schemaRefs>
-</ds:datastoreItem>
-</file>
-
-<file path=customXml/itemProps2.xml><?xml version="1.0" encoding="utf-8"?>
 <ds:datastoreItem xmlns:ds="http://schemas.openxmlformats.org/officeDocument/2006/customXml" ds:itemID="{B91D0F85-582A-44D6-AD1E-4CB486C41569}">
   <ds:schemaRefs>
     <ds:schemaRef ds:uri="http://purl.org/dc/terms/"/>
@@ -29747,6 +29744,14 @@
     <ds:schemaRef ds:uri="dff2e961-dbd1-4b6a-ab85-d84f915edb70"/>
     <ds:schemaRef ds:uri="http://www.w3.org/XML/1998/namespace"/>
     <ds:schemaRef ds:uri="http://purl.org/dc/elements/1.1/"/>
+  </ds:schemaRefs>
+</ds:datastoreItem>
+</file>
+
+<file path=customXml/itemProps2.xml><?xml version="1.0" encoding="utf-8"?>
+<ds:datastoreItem xmlns:ds="http://schemas.openxmlformats.org/officeDocument/2006/customXml" ds:itemID="{FED2B90E-7551-4737-913C-9E5D5CFD0995}">
+  <ds:schemaRefs>
+    <ds:schemaRef ds:uri="http://schemas.microsoft.com/sharepoint/v3/contenttype/forms"/>
   </ds:schemaRefs>
 </ds:datastoreItem>
 </file>
